--- a/Healthy Life Expectancy.pptx
+++ b/Healthy Life Expectancy.pptx
@@ -1394,7 +1394,7 @@
           <a:p>
             <a:fld id="{CF540C04-B751-4129-BD0A-22005D6665BF}" type="datetimeFigureOut">
               <a:rPr lang="en-US" smtClean="0"/>
-              <a:t>1/3/2024</a:t>
+              <a:t>1/4/2024</a:t>
             </a:fld>
             <a:endParaRPr lang="en-US"/>
           </a:p>
@@ -1592,7 +1592,7 @@
           <a:p>
             <a:fld id="{CF540C04-B751-4129-BD0A-22005D6665BF}" type="datetimeFigureOut">
               <a:rPr lang="en-US" smtClean="0"/>
-              <a:t>1/3/2024</a:t>
+              <a:t>1/4/2024</a:t>
             </a:fld>
             <a:endParaRPr lang="en-US"/>
           </a:p>
@@ -1800,7 +1800,7 @@
           <a:p>
             <a:fld id="{CF540C04-B751-4129-BD0A-22005D6665BF}" type="datetimeFigureOut">
               <a:rPr lang="en-US" smtClean="0"/>
-              <a:t>1/3/2024</a:t>
+              <a:t>1/4/2024</a:t>
             </a:fld>
             <a:endParaRPr lang="en-US"/>
           </a:p>
@@ -1998,7 +1998,7 @@
           <a:p>
             <a:fld id="{CF540C04-B751-4129-BD0A-22005D6665BF}" type="datetimeFigureOut">
               <a:rPr lang="en-US" smtClean="0"/>
-              <a:t>1/3/2024</a:t>
+              <a:t>1/4/2024</a:t>
             </a:fld>
             <a:endParaRPr lang="en-US"/>
           </a:p>
@@ -2273,7 +2273,7 @@
           <a:p>
             <a:fld id="{CF540C04-B751-4129-BD0A-22005D6665BF}" type="datetimeFigureOut">
               <a:rPr lang="en-US" smtClean="0"/>
-              <a:t>1/3/2024</a:t>
+              <a:t>1/4/2024</a:t>
             </a:fld>
             <a:endParaRPr lang="en-US"/>
           </a:p>
@@ -2538,7 +2538,7 @@
           <a:p>
             <a:fld id="{CF540C04-B751-4129-BD0A-22005D6665BF}" type="datetimeFigureOut">
               <a:rPr lang="en-US" smtClean="0"/>
-              <a:t>1/3/2024</a:t>
+              <a:t>1/4/2024</a:t>
             </a:fld>
             <a:endParaRPr lang="en-US"/>
           </a:p>
@@ -2950,7 +2950,7 @@
           <a:p>
             <a:fld id="{CF540C04-B751-4129-BD0A-22005D6665BF}" type="datetimeFigureOut">
               <a:rPr lang="en-US" smtClean="0"/>
-              <a:t>1/3/2024</a:t>
+              <a:t>1/4/2024</a:t>
             </a:fld>
             <a:endParaRPr lang="en-US"/>
           </a:p>
@@ -3091,7 +3091,7 @@
           <a:p>
             <a:fld id="{CF540C04-B751-4129-BD0A-22005D6665BF}" type="datetimeFigureOut">
               <a:rPr lang="en-US" smtClean="0"/>
-              <a:t>1/3/2024</a:t>
+              <a:t>1/4/2024</a:t>
             </a:fld>
             <a:endParaRPr lang="en-US"/>
           </a:p>
@@ -3204,7 +3204,7 @@
           <a:p>
             <a:fld id="{CF540C04-B751-4129-BD0A-22005D6665BF}" type="datetimeFigureOut">
               <a:rPr lang="en-US" smtClean="0"/>
-              <a:t>1/3/2024</a:t>
+              <a:t>1/4/2024</a:t>
             </a:fld>
             <a:endParaRPr lang="en-US"/>
           </a:p>
@@ -3515,7 +3515,7 @@
           <a:p>
             <a:fld id="{CF540C04-B751-4129-BD0A-22005D6665BF}" type="datetimeFigureOut">
               <a:rPr lang="en-US" smtClean="0"/>
-              <a:t>1/3/2024</a:t>
+              <a:t>1/4/2024</a:t>
             </a:fld>
             <a:endParaRPr lang="en-US"/>
           </a:p>
@@ -3803,7 +3803,7 @@
           <a:p>
             <a:fld id="{CF540C04-B751-4129-BD0A-22005D6665BF}" type="datetimeFigureOut">
               <a:rPr lang="en-US" smtClean="0"/>
-              <a:t>1/3/2024</a:t>
+              <a:t>1/4/2024</a:t>
             </a:fld>
             <a:endParaRPr lang="en-US"/>
           </a:p>
@@ -4047,7 +4047,7 @@
           <a:p>
             <a:fld id="{CF540C04-B751-4129-BD0A-22005D6665BF}" type="datetimeFigureOut">
               <a:rPr lang="en-US" smtClean="0"/>
-              <a:t>1/3/2024</a:t>
+              <a:t>1/4/2024</a:t>
             </a:fld>
             <a:endParaRPr lang="en-US"/>
           </a:p>
@@ -13518,7 +13518,7 @@
         <p:spPr>
           <a:xfrm>
             <a:off x="2516863" y="1358019"/>
-            <a:ext cx="8265814" cy="3985706"/>
+            <a:ext cx="8265814" cy="4124206"/>
           </a:xfrm>
           <a:prstGeom prst="rect">
             <a:avLst/>
@@ -13594,7 +13594,7 @@
                 <a:effectLst/>
                 <a:latin typeface="-apple-system"/>
               </a:rPr>
-              <a:t>             </a:t>
+              <a:t>                    </a:t>
             </a:r>
             <a:r>
               <a:rPr lang="en-US" sz="1800" dirty="0">
@@ -13623,29 +13623,93 @@
             <a:pPr algn="ctr"/>
             <a:endParaRPr lang="en-US" dirty="0">
               <a:solidFill>
+                <a:srgbClr val="FFCCFF"/>
+              </a:solidFill>
+              <a:latin typeface="Tableau Medium"/>
+            </a:endParaRPr>
+          </a:p>
+          <a:p>
+            <a:r>
+              <a:rPr lang="en-US" sz="1800" dirty="0">
+                <a:solidFill>
+                  <a:srgbClr val="FFCCFF"/>
+                </a:solidFill>
+                <a:effectLst/>
+                <a:latin typeface="Tableau Medium"/>
+              </a:rPr>
+              <a:t>                                                 </a:t>
+            </a:r>
+            <a:r>
+              <a:rPr lang="en-US" sz="1800" dirty="0">
+                <a:solidFill>
+                  <a:srgbClr val="FFCCFF"/>
+                </a:solidFill>
+                <a:effectLst/>
+                <a:latin typeface="Tableau Medium"/>
+                <a:hlinkClick r:id="rId5">
+                  <a:extLst>
+                    <a:ext uri="{A12FA001-AC4F-418D-AE19-62706E023703}">
+                      <ahyp:hlinkClr xmlns:ahyp="http://schemas.microsoft.com/office/drawing/2018/hyperlinkcolor" val="tx"/>
+                    </a:ext>
+                  </a:extLst>
+                </a:hlinkClick>
+              </a:rPr>
+              <a:t>Fozeya.said@gmai</a:t>
+            </a:r>
+            <a:r>
+              <a:rPr lang="en-US" dirty="0">
+                <a:solidFill>
+                  <a:srgbClr val="FFCCFF"/>
+                </a:solidFill>
+                <a:latin typeface="Tableau Medium"/>
+                <a:hlinkClick r:id="rId5">
+                  <a:extLst>
+                    <a:ext uri="{A12FA001-AC4F-418D-AE19-62706E023703}">
+                      <ahyp:hlinkClr xmlns:ahyp="http://schemas.microsoft.com/office/drawing/2018/hyperlinkcolor" val="tx"/>
+                    </a:ext>
+                  </a:extLst>
+                </a:hlinkClick>
+              </a:rPr>
+              <a:t>l</a:t>
+            </a:r>
+            <a:r>
+              <a:rPr lang="en-US" sz="1800" dirty="0">
+                <a:solidFill>
+                  <a:srgbClr val="FFCCFF"/>
+                </a:solidFill>
+                <a:effectLst/>
+                <a:latin typeface="Tableau Medium"/>
+                <a:hlinkClick r:id="rId5">
+                  <a:extLst>
+                    <a:ext uri="{A12FA001-AC4F-418D-AE19-62706E023703}">
+                      <ahyp:hlinkClr xmlns:ahyp="http://schemas.microsoft.com/office/drawing/2018/hyperlinkcolor" val="tx"/>
+                    </a:ext>
+                  </a:extLst>
+                </a:hlinkClick>
+              </a:rPr>
+              <a:t>.com</a:t>
+            </a:r>
+            <a:endParaRPr lang="en-US" dirty="0">
+              <a:solidFill>
+                <a:srgbClr val="FFCCFF"/>
+              </a:solidFill>
+              <a:latin typeface="Tableau Medium"/>
+            </a:endParaRPr>
+          </a:p>
+          <a:p>
+            <a:pPr algn="ctr"/>
+            <a:endParaRPr lang="en-US" dirty="0">
+              <a:solidFill>
                 <a:schemeClr val="bg1"/>
               </a:solidFill>
               <a:latin typeface="Tableau Medium"/>
-            </a:endParaRPr>
-          </a:p>
-          <a:p>
-            <a:pPr algn="ctr"/>
-            <a:endParaRPr lang="en-US" sz="1800" dirty="0">
-              <a:solidFill>
-                <a:schemeClr val="bg1"/>
-              </a:solidFill>
-              <a:effectLst/>
-              <a:latin typeface="Tableau Medium"/>
-            </a:endParaRPr>
-          </a:p>
-          <a:p>
-            <a:pPr algn="ctr"/>
-            <a:endParaRPr lang="en-US" sz="900" dirty="0">
-              <a:solidFill>
-                <a:srgbClr val="FFCCFF"/>
-              </a:solidFill>
-              <a:effectLst/>
-              <a:latin typeface="Tableau Medium"/>
+              <a:hlinkClick r:id="rId6">
+                <a:extLst>
+                  <a:ext uri="{A12FA001-AC4F-418D-AE19-62706E023703}">
+                    <ahyp:hlinkClr xmlns:ahyp="http://schemas.microsoft.com/office/drawing/2018/hyperlinkcolor" val="tx"/>
+                  </a:ext>
+                </a:extLst>
+              </a:hlinkClick>
             </a:endParaRPr>
           </a:p>
           <a:p>
@@ -13657,7 +13721,7 @@
                 </a:solidFill>
                 <a:effectLst/>
                 <a:latin typeface="Tableau Medium"/>
-                <a:hlinkClick r:id="rId5">
+                <a:hlinkClick r:id="rId6">
                   <a:extLst>
                     <a:ext uri="{A12FA001-AC4F-418D-AE19-62706E023703}">
                       <ahyp:hlinkClr xmlns:ahyp="http://schemas.microsoft.com/office/drawing/2018/hyperlinkcolor" val="tx"/>
@@ -13752,7 +13816,7 @@
           <p:nvPr/>
         </p:nvPicPr>
         <p:blipFill>
-          <a:blip r:embed="rId6">
+          <a:blip r:embed="rId7">
             <a:extLst>
               <a:ext uri="{28A0092B-C50C-407E-A947-70E740481C1C}">
                 <a14:useLocalDpi xmlns:a14="http://schemas.microsoft.com/office/drawing/2010/main" val="0"/>
@@ -13765,8 +13829,8 @@
         </p:blipFill>
         <p:spPr>
           <a:xfrm>
-            <a:off x="4134770" y="3613835"/>
-            <a:ext cx="542777" cy="481447"/>
+            <a:off x="4278567" y="3613836"/>
+            <a:ext cx="398980" cy="353898"/>
           </a:xfrm>
           <a:prstGeom prst="rect">
             <a:avLst/>
@@ -13788,7 +13852,7 @@
           <p:nvPr/>
         </p:nvPicPr>
         <p:blipFill>
-          <a:blip r:embed="rId7">
+          <a:blip r:embed="rId8">
             <a:extLst>
               <a:ext uri="{28A0092B-C50C-407E-A947-70E740481C1C}">
                 <a14:useLocalDpi xmlns:a14="http://schemas.microsoft.com/office/drawing/2010/main" val="0"/>
@@ -13801,8 +13865,44 @@
         </p:blipFill>
         <p:spPr>
           <a:xfrm>
-            <a:off x="4117847" y="2238383"/>
-            <a:ext cx="562795" cy="488109"/>
+            <a:off x="4272595" y="2238383"/>
+            <a:ext cx="408047" cy="353897"/>
+          </a:xfrm>
+          <a:prstGeom prst="rect">
+            <a:avLst/>
+          </a:prstGeom>
+        </p:spPr>
+      </p:pic>
+      <p:pic>
+        <p:nvPicPr>
+          <p:cNvPr id="5" name="Picture 4" descr="A blue circle with a letter in it&#10;&#10;Description automatically generated">
+            <a:extLst>
+              <a:ext uri="{FF2B5EF4-FFF2-40B4-BE49-F238E27FC236}">
+                <a16:creationId xmlns:a16="http://schemas.microsoft.com/office/drawing/2014/main" id="{D236E27D-5126-A971-76F5-0115C28B5DBA}"/>
+              </a:ext>
+            </a:extLst>
+          </p:cNvPr>
+          <p:cNvPicPr>
+            <a:picLocks noChangeAspect="1"/>
+          </p:cNvPicPr>
+          <p:nvPr/>
+        </p:nvPicPr>
+        <p:blipFill>
+          <a:blip r:embed="rId9">
+            <a:extLst>
+              <a:ext uri="{28A0092B-C50C-407E-A947-70E740481C1C}">
+                <a14:useLocalDpi xmlns:a14="http://schemas.microsoft.com/office/drawing/2010/main" val="0"/>
+              </a:ext>
+            </a:extLst>
+          </a:blip>
+          <a:stretch>
+            <a:fillRect/>
+          </a:stretch>
+        </p:blipFill>
+        <p:spPr>
+          <a:xfrm>
+            <a:off x="4264208" y="2892882"/>
+            <a:ext cx="413337" cy="420342"/>
           </a:xfrm>
           <a:prstGeom prst="rect">
             <a:avLst/>
